--- a/Presentation_2.pptx
+++ b/Presentation_2.pptx
@@ -7506,8 +7506,12 @@
           <a:lstStyle/>
           <a:p>
             <a:r>
+              <a:rPr lang="en-US" sz="2800"/>
+              <a:t>100 </a:t>
+            </a:r>
+            <a:r>
               <a:rPr lang="en-US" sz="2800" dirty="0"/>
-              <a:t>100 - Times Averaged</a:t>
+              <a:t>Trials Averaged</a:t>
             </a:r>
           </a:p>
         </p:txBody>
@@ -7536,7 +7540,7 @@
           <a:p>
             <a:r>
               <a:rPr lang="en-US" sz="2800" dirty="0"/>
-              <a:t>One - Time </a:t>
+              <a:t>One Trial </a:t>
             </a:r>
           </a:p>
         </p:txBody>
@@ -12307,8 +12311,8 @@
           </a:p>
         </p:txBody>
       </p:sp>
-      <mc:AlternateContent xmlns:mc="http://schemas.openxmlformats.org/markup-compatibility/2006">
-        <mc:Choice xmlns:a14="http://schemas.microsoft.com/office/drawing/2010/main" Requires="a14">
+      <mc:AlternateContent xmlns:mc="http://schemas.openxmlformats.org/markup-compatibility/2006" xmlns:a14="http://schemas.microsoft.com/office/drawing/2010/main">
+        <mc:Choice Requires="a14">
           <p:sp>
             <p:nvSpPr>
               <p:cNvPr id="17" name="Rectangle 16"/>
@@ -12330,6 +12334,7 @@
               </a:bodyPr>
               <a:lstStyle/>
               <a:p>
+                <a:pPr/>
                 <a14:m>
                   <m:oMathPara xmlns:m="http://schemas.openxmlformats.org/officeDocument/2006/math">
                     <m:oMathParaPr>
@@ -12402,7 +12407,7 @@
             </p:txBody>
           </p:sp>
         </mc:Choice>
-        <mc:Fallback>
+        <mc:Fallback xmlns="">
           <p:sp>
             <p:nvSpPr>
               <p:cNvPr id="17" name="Rectangle 16"/>
@@ -12482,7 +12487,6 @@
               <a:rPr lang="en-US" sz="3600" dirty="0"/>
               <a:t>Chosen molecule: R mod N</a:t>
             </a:r>
-            <a:endParaRPr lang="en-US" sz="3600" dirty="0"/>
           </a:p>
         </p:txBody>
       </p:sp>
@@ -12527,7 +12531,6 @@
               <a:rPr lang="en-US" sz="3600" dirty="0"/>
               <a:t>Generate only one random number in each step</a:t>
             </a:r>
-            <a:endParaRPr lang="en-US" sz="3600" dirty="0"/>
           </a:p>
         </p:txBody>
       </p:sp>
